--- a/A-235.pptx
+++ b/A-235.pptx
@@ -4729,7 +4729,7 @@
                 <a:ea typeface="Calibri" panose="020F0502020204030204" pitchFamily="34" charset="0"/>
                 <a:cs typeface="Calibri" panose="020F0502020204030204" pitchFamily="34" charset="0"/>
               </a:rPr>
-              <a:t>Is there a correlation between the number of tests conducted &amp; total number of cases reported in each cluster?</a:t>
+              <a:t>Is there a correlation between the number of tests conducted &amp; total number of cases reported in each cluster for COVID-19 in Malaysia?</a:t>
             </a:r>
             <a:br>
               <a:rPr lang="en-US" sz="1800" dirty="0"/>
@@ -5899,7 +5899,7 @@
                 <a:ea typeface="Calibri" panose="020F0502020204030204" pitchFamily="34" charset="0"/>
                 <a:cs typeface="Calibri" panose="020F0502020204030204" pitchFamily="34" charset="0"/>
               </a:rPr>
-              <a:t>in each cluster?</a:t>
+              <a:t>in each cluster for COVID-19 in Malaysia?</a:t>
             </a:r>
             <a:br>
               <a:rPr lang="en-GB" sz="2400" dirty="0">
@@ -7370,20 +7370,20 @@
 </file>
 
 <file path=customXml/item2.xml><?xml version="1.0" encoding="utf-8"?>
+<p:properties xmlns:p="http://schemas.microsoft.com/office/2006/metadata/properties" xmlns:xsi="http://www.w3.org/2001/XMLSchema-instance" xmlns:pc="http://schemas.microsoft.com/office/infopath/2007/PartnerControls">
+  <documentManagement>
+    <Information xmlns="4ad138b4-2b68-4b70-945d-07f8f18b1c9a" xsi:nil="true"/>
+  </documentManagement>
+</p:properties>
+</file>
+
+<file path=customXml/item3.xml><?xml version="1.0" encoding="utf-8"?>
 <?mso-contentType ?>
 <FormTemplates xmlns="http://schemas.microsoft.com/sharepoint/v3/contenttype/forms">
   <Display>DocumentLibraryForm</Display>
   <Edit>DocumentLibraryForm</Edit>
   <New>DocumentLibraryForm</New>
 </FormTemplates>
-</file>
-
-<file path=customXml/item3.xml><?xml version="1.0" encoding="utf-8"?>
-<p:properties xmlns:p="http://schemas.microsoft.com/office/2006/metadata/properties" xmlns:xsi="http://www.w3.org/2001/XMLSchema-instance" xmlns:pc="http://schemas.microsoft.com/office/infopath/2007/PartnerControls">
-  <documentManagement>
-    <Information xmlns="4ad138b4-2b68-4b70-945d-07f8f18b1c9a" xsi:nil="true"/>
-  </documentManagement>
-</p:properties>
 </file>
 
 <file path=customXml/itemProps1.xml><?xml version="1.0" encoding="utf-8"?>
@@ -7406,14 +7406,6 @@
 </file>
 
 <file path=customXml/itemProps2.xml><?xml version="1.0" encoding="utf-8"?>
-<ds:datastoreItem xmlns:ds="http://schemas.openxmlformats.org/officeDocument/2006/customXml" ds:itemID="{91C521DD-2673-4EE6-BB9B-DC5C3320FFBB}">
-  <ds:schemaRefs>
-    <ds:schemaRef ds:uri="http://schemas.microsoft.com/sharepoint/v3/contenttype/forms"/>
-  </ds:schemaRefs>
-</ds:datastoreItem>
-</file>
-
-<file path=customXml/itemProps3.xml><?xml version="1.0" encoding="utf-8"?>
 <ds:datastoreItem xmlns:ds="http://schemas.openxmlformats.org/officeDocument/2006/customXml" ds:itemID="{EDD1FC41-23C7-41B0-B5F9-BF4CD38AD2ED}">
   <ds:schemaRefs>
     <ds:schemaRef ds:uri="http://schemas.microsoft.com/office/infopath/2007/PartnerControls"/>
@@ -7428,4 +7420,12 @@
     <ds:schemaRef ds:uri="http://purl.org/dc/dcmitype/"/>
   </ds:schemaRefs>
 </ds:datastoreItem>
+</file>
+
+<file path=customXml/itemProps3.xml><?xml version="1.0" encoding="utf-8"?>
+<ds:datastoreItem xmlns:ds="http://schemas.openxmlformats.org/officeDocument/2006/customXml" ds:itemID="{91C521DD-2673-4EE6-BB9B-DC5C3320FFBB}">
+  <ds:schemaRefs>
+    <ds:schemaRef ds:uri="http://schemas.microsoft.com/sharepoint/v3/contenttype/forms"/>
+  </ds:schemaRefs>
+</ds:datastoreItem>
 </file>